--- a/Tables-4W1H-SLR.pptx
+++ b/Tables-4W1H-SLR.pptx
@@ -8699,7 +8699,7 @@
           <p:nvPr>
             <p:extLst>
               <p:ext uri="{D42A27DB-BD31-4B8C-83A1-F6EECF244321}">
-                <p14:modId xmlns:p14="http://schemas.microsoft.com/office/powerpoint/2010/main" val="3081620023"/>
+                <p14:modId xmlns:p14="http://schemas.microsoft.com/office/powerpoint/2010/main" val="4171853195"/>
               </p:ext>
             </p:extLst>
           </p:nvPr>
@@ -9855,37 +9855,36 @@
                     <a:bodyPr/>
                     <a:lstStyle/>
                     <a:p>
-                      <a:pPr algn="l"/>
-                      <a:r>
-                        <a:rPr lang="en-AU" sz="1100" b="0" i="0" u="none" strike="noStrike" kern="100" dirty="0">
-                          <a:effectLst/>
-                          <a:latin typeface="Times New Roman" panose="02020603050405020304" pitchFamily="18" charset="0"/>
-                          <a:ea typeface="Calibri" panose="020F0502020204030204" pitchFamily="34" charset="0"/>
-                          <a:cs typeface="Times New Roman" panose="02020603050405020304" pitchFamily="18" charset="0"/>
-                        </a:rPr>
-                        <a:t>Extension of </a:t>
-                      </a:r>
-                      <a:r>
-                        <a:rPr lang="en-AU" sz="1100" b="0" i="0" u="none" strike="noStrike" kern="100" dirty="0">
+                      <a:pPr marL="0" marR="0" lvl="0" indent="0" algn="l" defTabSz="914400" rtl="0" eaLnBrk="1" fontAlgn="auto" latinLnBrk="0" hangingPunct="1">
+                        <a:lnSpc>
+                          <a:spcPct val="100000"/>
+                        </a:lnSpc>
+                        <a:spcBef>
+                          <a:spcPts val="0"/>
+                        </a:spcBef>
+                        <a:spcAft>
+                          <a:spcPts val="0"/>
+                        </a:spcAft>
+                        <a:buClrTx/>
+                        <a:buSzTx/>
+                        <a:buFontTx/>
+                        <a:buNone/>
+                        <a:tabLst/>
+                        <a:defRPr/>
+                      </a:pPr>
+                      <a:r>
+                        <a:rPr lang="en-US" sz="1100" dirty="0">
                           <a:solidFill>
                             <a:schemeClr val="tx1"/>
                           </a:solidFill>
-                          <a:effectLst/>
-                          <a:latin typeface="Times New Roman" panose="02020603050405020304" pitchFamily="18" charset="0"/>
-                          <a:ea typeface="Calibri" panose="020F0502020204030204" pitchFamily="34" charset="0"/>
-                          <a:cs typeface="Times New Roman" panose="02020603050405020304" pitchFamily="18" charset="0"/>
-                        </a:rPr>
-                        <a:t>ECOOLA</a:t>
-                      </a:r>
-                      <a:r>
-                        <a:rPr lang="en-AU" sz="1100" b="0" i="0" u="none" strike="noStrike" kern="100" dirty="0">
-                          <a:effectLst/>
-                          <a:latin typeface="Times New Roman" panose="02020603050405020304" pitchFamily="18" charset="0"/>
-                          <a:ea typeface="Calibri" panose="020F0502020204030204" pitchFamily="34" charset="0"/>
-                          <a:cs typeface="Times New Roman" panose="02020603050405020304" pitchFamily="18" charset="0"/>
-                        </a:rPr>
-                        <a:t> - a tool consist of ethics principles </a:t>
-                      </a:r>
+                          <a:latin typeface="Times New Roman" panose="02020603050405020304" pitchFamily="18" charset="0"/>
+                          <a:cs typeface="Times New Roman" panose="02020603050405020304" pitchFamily="18" charset="0"/>
+                        </a:rPr>
+                        <a:t>ECOOLA: A tool developed to embed AI Ethics  </a:t>
+                      </a:r>
+                    </a:p>
+                    <a:p>
+                      <a:pPr algn="l"/>
                       <a:endParaRPr lang="en-US" sz="1100" dirty="0">
                         <a:solidFill>
                           <a:schemeClr val="tx1"/>
@@ -10006,15 +10005,42 @@
                     <a:p>
                       <a:pPr algn="l"/>
                       <a:r>
-                        <a:rPr lang="en-US" sz="1100" dirty="0">
+                        <a:rPr lang="en-AU" sz="1100" b="0" i="0" u="none" strike="noStrike" kern="100">
+                          <a:effectLst/>
+                          <a:latin typeface="Times New Roman" panose="02020603050405020304" pitchFamily="18" charset="0"/>
+                          <a:ea typeface="Calibri" panose="020F0502020204030204" pitchFamily="34" charset="0"/>
+                          <a:cs typeface="Times New Roman" panose="02020603050405020304" pitchFamily="18" charset="0"/>
+                        </a:rPr>
+                        <a:t>Extension of </a:t>
+                      </a:r>
+                      <a:r>
+                        <a:rPr lang="en-AU" sz="1100" b="0" i="0" u="none" strike="noStrike" kern="100">
                           <a:solidFill>
                             <a:schemeClr val="tx1"/>
                           </a:solidFill>
-                          <a:latin typeface="Times New Roman" panose="02020603050405020304" pitchFamily="18" charset="0"/>
-                          <a:cs typeface="Times New Roman" panose="02020603050405020304" pitchFamily="18" charset="0"/>
-                        </a:rPr>
-                        <a:t>ECOOLA: A tool developed to embed AI Ethics  </a:t>
-                      </a:r>
+                          <a:effectLst/>
+                          <a:latin typeface="Times New Roman" panose="02020603050405020304" pitchFamily="18" charset="0"/>
+                          <a:ea typeface="Calibri" panose="020F0502020204030204" pitchFamily="34" charset="0"/>
+                          <a:cs typeface="Times New Roman" panose="02020603050405020304" pitchFamily="18" charset="0"/>
+                        </a:rPr>
+                        <a:t>ECOOLA</a:t>
+                      </a:r>
+                      <a:r>
+                        <a:rPr lang="en-AU" sz="1100" b="0" i="0" u="none" strike="noStrike" kern="100">
+                          <a:effectLst/>
+                          <a:latin typeface="Times New Roman" panose="02020603050405020304" pitchFamily="18" charset="0"/>
+                          <a:ea typeface="Calibri" panose="020F0502020204030204" pitchFamily="34" charset="0"/>
+                          <a:cs typeface="Times New Roman" panose="02020603050405020304" pitchFamily="18" charset="0"/>
+                        </a:rPr>
+                        <a:t> - a tool consist of ethics principles </a:t>
+                      </a:r>
+                      <a:endParaRPr lang="en-US" sz="1100" dirty="0">
+                        <a:solidFill>
+                          <a:schemeClr val="tx1"/>
+                        </a:solidFill>
+                        <a:latin typeface="Times New Roman" panose="02020603050405020304" pitchFamily="18" charset="0"/>
+                        <a:cs typeface="Times New Roman" panose="02020603050405020304" pitchFamily="18" charset="0"/>
+                      </a:endParaRPr>
                     </a:p>
                   </a:txBody>
                   <a:tcPr>
